--- a/JAVA周日班/课件/Java6.pptx
+++ b/JAVA周日班/课件/Java6.pptx
@@ -3180,7 +3180,19 @@
           <a:p>
             <a:r>
               <a:rPr lang="zh-CN" altLang="en-US" sz="1600" dirty="0" smtClean="0"/>
-              <a:t>定义宠物类，</a:t>
+              <a:t>定义宠物</a:t>
+            </a:r>
+            <a:r>
+              <a:rPr lang="zh-CN" altLang="en-US" sz="1600" dirty="0" smtClean="0"/>
+              <a:t>类</a:t>
+            </a:r>
+            <a:r>
+              <a:rPr lang="en-US" altLang="zh-CN" sz="1600" dirty="0" smtClean="0"/>
+              <a:t>(Pet)</a:t>
+            </a:r>
+            <a:r>
+              <a:rPr lang="zh-CN" altLang="en-US" sz="1600" dirty="0" smtClean="0"/>
+              <a:t>，</a:t>
             </a:r>
             <a:endParaRPr lang="en-US" altLang="zh-CN" sz="1600" dirty="0" smtClean="0"/>
           </a:p>
@@ -3221,6 +3233,14 @@
               <a:rPr lang="zh-CN" altLang="en-US" sz="1600" dirty="0" smtClean="0"/>
               <a:t>）</a:t>
             </a:r>
+            <a:r>
+              <a:rPr lang="en-US" altLang="zh-CN" sz="1600" dirty="0" smtClean="0"/>
+              <a:t>:</a:t>
+            </a:r>
+            <a:r>
+              <a:rPr lang="en-US" altLang="zh-CN" sz="1600" dirty="0" err="1" smtClean="0"/>
+              <a:t>female,male</a:t>
+            </a:r>
             <a:endParaRPr lang="en-US" altLang="zh-CN" sz="1600" dirty="0" smtClean="0"/>
           </a:p>
           <a:p>
@@ -3234,7 +3254,23 @@
             </a:r>
             <a:r>
               <a:rPr lang="zh-CN" altLang="en-US" sz="1600" dirty="0" smtClean="0"/>
-              <a:t>）方法</a:t>
+              <a:t>）</a:t>
+            </a:r>
+            <a:r>
+              <a:rPr lang="zh-CN" altLang="en-US" sz="1600" dirty="0" smtClean="0"/>
+              <a:t>方法 </a:t>
+            </a:r>
+            <a:r>
+              <a:rPr lang="en-US" altLang="zh-CN" sz="1600" dirty="0" smtClean="0"/>
+              <a:t>: print “</a:t>
+            </a:r>
+            <a:r>
+              <a:rPr lang="en-US" altLang="zh-CN" sz="1600" dirty="0" err="1" smtClean="0"/>
+              <a:t>haha</a:t>
+            </a:r>
+            <a:r>
+              <a:rPr lang="en-US" altLang="zh-CN" sz="1600" dirty="0" smtClean="0"/>
+              <a:t>”</a:t>
             </a:r>
             <a:endParaRPr lang="en-US" altLang="zh-CN" sz="1600" dirty="0" smtClean="0"/>
           </a:p>
@@ -3249,11 +3285,15 @@
             </a:r>
             <a:r>
               <a:rPr lang="zh-CN" altLang="en-US" sz="1600" dirty="0" smtClean="0"/>
-              <a:t>属性，属性的类型是前面说的</a:t>
+              <a:t>属性，属性的类型是前面说</a:t>
+            </a:r>
+            <a:r>
+              <a:rPr lang="zh-CN" altLang="en-US" sz="1600" dirty="0" smtClean="0"/>
+              <a:t>的</a:t>
             </a:r>
             <a:r>
               <a:rPr lang="en-US" altLang="zh-CN" sz="1600" dirty="0" smtClean="0"/>
-              <a:t>Person</a:t>
+              <a:t>Master</a:t>
             </a:r>
             <a:r>
               <a:rPr lang="zh-CN" altLang="en-US" sz="1600" dirty="0" smtClean="0"/>
@@ -3267,8 +3307,12 @@
               <a:t>并增加一个介绍自己主人名字与年龄的行为。</a:t>
             </a:r>
             <a:r>
+              <a:rPr lang="en-US" altLang="zh-CN" sz="1600" smtClean="0"/>
+              <a:t>IntroduceMaster(Person </a:t>
+            </a:r>
+            <a:r>
               <a:rPr lang="en-US" altLang="zh-CN" sz="1600" dirty="0" smtClean="0"/>
-              <a:t>Introduce(Person p)</a:t>
+              <a:t>p)</a:t>
             </a:r>
           </a:p>
           <a:p>

--- a/JAVA周日班/课件/Java6.pptx
+++ b/JAVA周日班/课件/Java6.pptx
@@ -5,7 +5,7 @@
     <p:sldMasterId id="2147483654" r:id="rId1"/>
   </p:sldMasterIdLst>
   <p:notesMasterIdLst>
-    <p:notesMasterId r:id="rId14"/>
+    <p:notesMasterId r:id="rId11"/>
   </p:notesMasterIdLst>
   <p:sldIdLst>
     <p:sldId id="256" r:id="rId2"/>
@@ -16,10 +16,7 @@
     <p:sldId id="280" r:id="rId7"/>
     <p:sldId id="281" r:id="rId8"/>
     <p:sldId id="282" r:id="rId9"/>
-    <p:sldId id="276" r:id="rId10"/>
-    <p:sldId id="277" r:id="rId11"/>
-    <p:sldId id="278" r:id="rId12"/>
-    <p:sldId id="275" r:id="rId13"/>
+    <p:sldId id="275" r:id="rId10"/>
   </p:sldIdLst>
   <p:sldSz cx="9144000" cy="5143500" type="screen16x9"/>
   <p:notesSz cx="6858000" cy="9144000"/>
@@ -390,7 +387,7 @@
     </p:spTree>
     <p:extLst>
       <p:ext uri="{BB962C8B-B14F-4D97-AF65-F5344CB8AC3E}">
-        <p14:creationId xmlns:p14="http://schemas.microsoft.com/office/powerpoint/2010/main" val="3422343151"/>
+        <p14:creationId xmlns:p14="http://schemas.microsoft.com/office/powerpoint/2010/main" xmlns="" val="3422343151"/>
       </p:ext>
     </p:extLst>
   </p:cSld>
@@ -2826,626 +2823,6 @@
 </p:sld>
 </file>
 
-<file path=ppt/slides/slide10.xml><?xml version="1.0" encoding="utf-8"?>
-<p:sld xmlns:a="http://schemas.openxmlformats.org/drawingml/2006/main" xmlns:r="http://schemas.openxmlformats.org/officeDocument/2006/relationships" xmlns:p="http://schemas.openxmlformats.org/presentationml/2006/main">
-  <p:cSld>
-    <p:spTree>
-      <p:nvGrpSpPr>
-        <p:cNvPr id="1" name=""/>
-        <p:cNvGrpSpPr/>
-        <p:nvPr/>
-      </p:nvGrpSpPr>
-      <p:grpSpPr>
-        <a:xfrm>
-          <a:off x="0" y="0"/>
-          <a:ext cx="0" cy="0"/>
-          <a:chOff x="0" y="0"/>
-          <a:chExt cx="0" cy="0"/>
-        </a:xfrm>
-      </p:grpSpPr>
-      <p:sp>
-        <p:nvSpPr>
-          <p:cNvPr id="2" name="标题 1"/>
-          <p:cNvSpPr>
-            <a:spLocks noGrp="1"/>
-          </p:cNvSpPr>
-          <p:nvPr>
-            <p:ph type="title"/>
-          </p:nvPr>
-        </p:nvSpPr>
-        <p:spPr/>
-        <p:txBody>
-          <a:bodyPr/>
-          <a:lstStyle/>
-          <a:p>
-            <a:r>
-              <a:rPr lang="zh-CN" altLang="en-US" dirty="0" smtClean="0"/>
-              <a:t>抽象类</a:t>
-            </a:r>
-            <a:endParaRPr lang="zh-CN" altLang="en-US" dirty="0"/>
-          </a:p>
-        </p:txBody>
-      </p:sp>
-      <p:sp>
-        <p:nvSpPr>
-          <p:cNvPr id="3" name="文本占位符 2"/>
-          <p:cNvSpPr>
-            <a:spLocks noGrp="1"/>
-          </p:cNvSpPr>
-          <p:nvPr>
-            <p:ph type="body" idx="1"/>
-          </p:nvPr>
-        </p:nvSpPr>
-        <p:spPr/>
-        <p:txBody>
-          <a:bodyPr/>
-          <a:lstStyle/>
-          <a:p>
-            <a:r>
-              <a:rPr lang="zh-CN" altLang="en-US" dirty="0" smtClean="0"/>
-              <a:t>他们都有获得面积的方法  </a:t>
-            </a:r>
-            <a:r>
-              <a:rPr lang="en-US" altLang="zh-CN" dirty="0" err="1" smtClean="0"/>
-              <a:t>getArea</a:t>
-            </a:r>
-            <a:endParaRPr lang="en-US" altLang="zh-CN" dirty="0" smtClean="0"/>
-          </a:p>
-          <a:p>
-            <a:endParaRPr lang="en-US" dirty="0" smtClean="0"/>
-          </a:p>
-          <a:p>
-            <a:r>
-              <a:rPr lang="zh-CN" altLang="en-US" dirty="0" smtClean="0"/>
-              <a:t>他们都有比较大小的方法  </a:t>
-            </a:r>
-            <a:r>
-              <a:rPr lang="en-US" altLang="zh-CN" dirty="0" err="1" smtClean="0"/>
-              <a:t>compareTo</a:t>
-            </a:r>
-            <a:endParaRPr lang="en-US" altLang="zh-CN" dirty="0" smtClean="0"/>
-          </a:p>
-          <a:p>
-            <a:endParaRPr lang="en-US" dirty="0" smtClean="0"/>
-          </a:p>
-          <a:p>
-            <a:r>
-              <a:rPr lang="zh-CN" altLang="en-US" dirty="0" smtClean="0"/>
-              <a:t>他们都是图形 </a:t>
-            </a:r>
-            <a:r>
-              <a:rPr lang="en-US" altLang="zh-CN" dirty="0" smtClean="0"/>
-              <a:t>=&gt; </a:t>
-            </a:r>
-            <a:r>
-              <a:rPr lang="zh-CN" altLang="en-US" dirty="0" smtClean="0"/>
-              <a:t>抽象成抽象类</a:t>
-            </a:r>
-            <a:endParaRPr lang="en-US" altLang="zh-CN" dirty="0" smtClean="0"/>
-          </a:p>
-          <a:p>
-            <a:endParaRPr lang="en-US" dirty="0" smtClean="0"/>
-          </a:p>
-          <a:p>
-            <a:r>
-              <a:rPr lang="zh-CN" altLang="en-US" dirty="0" smtClean="0"/>
-              <a:t>可以把他们抽象成一个公共类型：图形，引入</a:t>
-            </a:r>
-            <a:r>
-              <a:rPr lang="en-US" altLang="zh-CN" dirty="0" smtClean="0"/>
-              <a:t>extends</a:t>
-            </a:r>
-            <a:r>
-              <a:rPr lang="zh-CN" altLang="en-US" dirty="0" smtClean="0"/>
-              <a:t>，</a:t>
-            </a:r>
-            <a:r>
-              <a:rPr lang="en-US" altLang="zh-CN" dirty="0" smtClean="0"/>
-              <a:t>abstract</a:t>
-            </a:r>
-            <a:r>
-              <a:rPr lang="zh-CN" altLang="en-US" dirty="0" smtClean="0"/>
-              <a:t>，</a:t>
-            </a:r>
-            <a:r>
-              <a:rPr lang="en-US" altLang="zh-CN" dirty="0" smtClean="0"/>
-              <a:t>protected</a:t>
-            </a:r>
-            <a:r>
-              <a:rPr lang="zh-CN" altLang="en-US" dirty="0" smtClean="0"/>
-              <a:t>关键字</a:t>
-            </a:r>
-            <a:endParaRPr lang="en-US" dirty="0" smtClean="0"/>
-          </a:p>
-          <a:p>
-            <a:endParaRPr lang="zh-CN" altLang="en-US" dirty="0"/>
-          </a:p>
-        </p:txBody>
-      </p:sp>
-    </p:spTree>
-  </p:cSld>
-  <p:clrMapOvr>
-    <a:masterClrMapping/>
-  </p:clrMapOvr>
-  <p:timing>
-    <p:tnLst>
-      <p:par>
-        <p:cTn id="1" dur="indefinite" restart="never" nodeType="tmRoot"/>
-      </p:par>
-    </p:tnLst>
-  </p:timing>
-</p:sld>
-</file>
-
-<file path=ppt/slides/slide11.xml><?xml version="1.0" encoding="utf-8"?>
-<p:sld xmlns:a="http://schemas.openxmlformats.org/drawingml/2006/main" xmlns:r="http://schemas.openxmlformats.org/officeDocument/2006/relationships" xmlns:p="http://schemas.openxmlformats.org/presentationml/2006/main">
-  <p:cSld>
-    <p:spTree>
-      <p:nvGrpSpPr>
-        <p:cNvPr id="1" name=""/>
-        <p:cNvGrpSpPr/>
-        <p:nvPr/>
-      </p:nvGrpSpPr>
-      <p:grpSpPr>
-        <a:xfrm>
-          <a:off x="0" y="0"/>
-          <a:ext cx="0" cy="0"/>
-          <a:chOff x="0" y="0"/>
-          <a:chExt cx="0" cy="0"/>
-        </a:xfrm>
-      </p:grpSpPr>
-      <p:sp>
-        <p:nvSpPr>
-          <p:cNvPr id="2" name="标题 1"/>
-          <p:cNvSpPr>
-            <a:spLocks noGrp="1"/>
-          </p:cNvSpPr>
-          <p:nvPr>
-            <p:ph type="title"/>
-          </p:nvPr>
-        </p:nvSpPr>
-        <p:spPr/>
-        <p:txBody>
-          <a:bodyPr/>
-          <a:lstStyle/>
-          <a:p>
-            <a:r>
-              <a:rPr lang="en-US" altLang="zh-CN" dirty="0" smtClean="0"/>
-              <a:t>Java</a:t>
-            </a:r>
-            <a:r>
-              <a:rPr lang="zh-CN" altLang="en-US" dirty="0" smtClean="0"/>
-              <a:t>重写</a:t>
-            </a:r>
-            <a:endParaRPr lang="zh-CN" altLang="en-US" dirty="0"/>
-          </a:p>
-        </p:txBody>
-      </p:sp>
-      <p:sp>
-        <p:nvSpPr>
-          <p:cNvPr id="3" name="文本占位符 2"/>
-          <p:cNvSpPr>
-            <a:spLocks noGrp="1"/>
-          </p:cNvSpPr>
-          <p:nvPr>
-            <p:ph type="body" idx="1"/>
-          </p:nvPr>
-        </p:nvSpPr>
-        <p:spPr/>
-        <p:txBody>
-          <a:bodyPr/>
-          <a:lstStyle/>
-          <a:p>
-            <a:pPr>
-              <a:buFont typeface="Arial" pitchFamily="34" charset="0"/>
-              <a:buChar char="•"/>
-            </a:pPr>
-            <a:r>
-              <a:rPr lang="en-US" altLang="zh-CN" dirty="0" smtClean="0"/>
-              <a:t>Object</a:t>
-            </a:r>
-            <a:r>
-              <a:rPr lang="zh-CN" altLang="en-US" dirty="0" smtClean="0"/>
-              <a:t>类</a:t>
-            </a:r>
-            <a:endParaRPr lang="en-US" altLang="zh-CN" dirty="0" smtClean="0"/>
-          </a:p>
-          <a:p>
-            <a:pPr>
-              <a:buFont typeface="Arial" pitchFamily="34" charset="0"/>
-              <a:buChar char="•"/>
-            </a:pPr>
-            <a:r>
-              <a:rPr lang="en-US" altLang="zh-CN" dirty="0" smtClean="0"/>
-              <a:t>equals</a:t>
-            </a:r>
-            <a:r>
-              <a:rPr lang="zh-CN" altLang="en-US" dirty="0" smtClean="0"/>
-              <a:t>（引入</a:t>
-            </a:r>
-            <a:r>
-              <a:rPr lang="en-US" altLang="zh-CN" dirty="0" err="1" smtClean="0"/>
-              <a:t>instanceof</a:t>
-            </a:r>
-            <a:r>
-              <a:rPr lang="zh-CN" altLang="en-US" dirty="0" smtClean="0"/>
-              <a:t>关键字）</a:t>
-            </a:r>
-            <a:endParaRPr lang="en-US" altLang="zh-CN" dirty="0" smtClean="0"/>
-          </a:p>
-          <a:p>
-            <a:pPr>
-              <a:buFont typeface="Arial" pitchFamily="34" charset="0"/>
-              <a:buChar char="•"/>
-            </a:pPr>
-            <a:r>
-              <a:rPr lang="en-US" altLang="zh-CN" dirty="0" err="1" smtClean="0"/>
-              <a:t>toString</a:t>
-            </a:r>
-            <a:endParaRPr lang="en-US" altLang="zh-CN" dirty="0"/>
-          </a:p>
-          <a:p>
-            <a:pPr>
-              <a:buFont typeface="Arial" pitchFamily="34" charset="0"/>
-              <a:buChar char="•"/>
-            </a:pPr>
-            <a:r>
-              <a:rPr lang="en-US" altLang="zh-CN" dirty="0" err="1" smtClean="0"/>
-              <a:t>getClass</a:t>
-            </a:r>
-            <a:endParaRPr lang="en-US" altLang="zh-CN" dirty="0" smtClean="0"/>
-          </a:p>
-          <a:p>
-            <a:pPr>
-              <a:buFont typeface="Arial" pitchFamily="34" charset="0"/>
-              <a:buChar char="•"/>
-            </a:pPr>
-            <a:r>
-              <a:rPr lang="en-US" altLang="zh-CN" dirty="0" err="1" smtClean="0"/>
-              <a:t>hashCode</a:t>
-            </a:r>
-            <a:endParaRPr lang="en-US" altLang="zh-CN" dirty="0" smtClean="0"/>
-          </a:p>
-        </p:txBody>
-      </p:sp>
-    </p:spTree>
-  </p:cSld>
-  <p:clrMapOvr>
-    <a:masterClrMapping/>
-  </p:clrMapOvr>
-  <p:timing>
-    <p:tnLst>
-      <p:par>
-        <p:cTn id="1" dur="indefinite" restart="never" nodeType="tmRoot"/>
-      </p:par>
-    </p:tnLst>
-  </p:timing>
-</p:sld>
-</file>
-
-<file path=ppt/slides/slide12.xml><?xml version="1.0" encoding="utf-8"?>
-<p:sld xmlns:a="http://schemas.openxmlformats.org/drawingml/2006/main" xmlns:r="http://schemas.openxmlformats.org/officeDocument/2006/relationships" xmlns:p="http://schemas.openxmlformats.org/presentationml/2006/main">
-  <p:cSld>
-    <p:spTree>
-      <p:nvGrpSpPr>
-        <p:cNvPr id="1" name=""/>
-        <p:cNvGrpSpPr/>
-        <p:nvPr/>
-      </p:nvGrpSpPr>
-      <p:grpSpPr>
-        <a:xfrm>
-          <a:off x="0" y="0"/>
-          <a:ext cx="0" cy="0"/>
-          <a:chOff x="0" y="0"/>
-          <a:chExt cx="0" cy="0"/>
-        </a:xfrm>
-      </p:grpSpPr>
-      <p:sp>
-        <p:nvSpPr>
-          <p:cNvPr id="2" name="タイトル 1"/>
-          <p:cNvSpPr>
-            <a:spLocks noGrp="1"/>
-          </p:cNvSpPr>
-          <p:nvPr>
-            <p:ph type="title"/>
-          </p:nvPr>
-        </p:nvSpPr>
-        <p:spPr/>
-        <p:txBody>
-          <a:bodyPr/>
-          <a:lstStyle/>
-          <a:p>
-            <a:r>
-              <a:rPr lang="zh-CN" altLang="en-US" dirty="0" smtClean="0"/>
-              <a:t>课后练习</a:t>
-            </a:r>
-            <a:endParaRPr lang="en-US" dirty="0"/>
-          </a:p>
-        </p:txBody>
-      </p:sp>
-      <p:sp>
-        <p:nvSpPr>
-          <p:cNvPr id="3" name="テキスト プレースホルダー 2"/>
-          <p:cNvSpPr>
-            <a:spLocks noGrp="1"/>
-          </p:cNvSpPr>
-          <p:nvPr>
-            <p:ph type="body" idx="1"/>
-          </p:nvPr>
-        </p:nvSpPr>
-        <p:spPr/>
-        <p:txBody>
-          <a:bodyPr/>
-          <a:lstStyle/>
-          <a:p>
-            <a:r>
-              <a:rPr lang="zh-CN" altLang="en-US" sz="1600" dirty="0" smtClean="0"/>
-              <a:t>定义宠物</a:t>
-            </a:r>
-            <a:r>
-              <a:rPr lang="zh-CN" altLang="en-US" sz="1600" dirty="0" smtClean="0"/>
-              <a:t>类</a:t>
-            </a:r>
-            <a:r>
-              <a:rPr lang="en-US" altLang="zh-CN" sz="1600" dirty="0" smtClean="0"/>
-              <a:t>(Pet)</a:t>
-            </a:r>
-            <a:r>
-              <a:rPr lang="zh-CN" altLang="en-US" sz="1600" dirty="0" smtClean="0"/>
-              <a:t>，</a:t>
-            </a:r>
-            <a:endParaRPr lang="en-US" altLang="zh-CN" sz="1600" dirty="0" smtClean="0"/>
-          </a:p>
-          <a:p>
-            <a:r>
-              <a:rPr lang="zh-CN" altLang="en-US" sz="1600" dirty="0" smtClean="0"/>
-              <a:t>有昵称，性别等属性</a:t>
-            </a:r>
-            <a:r>
-              <a:rPr lang="en-US" altLang="zh-CN" sz="1600" dirty="0" smtClean="0"/>
-              <a:t>nickname</a:t>
-            </a:r>
-            <a:r>
-              <a:rPr lang="zh-CN" altLang="en-US" sz="1600" dirty="0" smtClean="0"/>
-              <a:t>（</a:t>
-            </a:r>
-            <a:r>
-              <a:rPr lang="en-US" altLang="zh-CN" sz="1600" dirty="0" smtClean="0"/>
-              <a:t>String</a:t>
-            </a:r>
-            <a:r>
-              <a:rPr lang="zh-CN" altLang="en-US" sz="1600" dirty="0" smtClean="0"/>
-              <a:t>），</a:t>
-            </a:r>
-            <a:r>
-              <a:rPr lang="en-US" altLang="zh-CN" sz="1600" dirty="0" smtClean="0"/>
-              <a:t>sex</a:t>
-            </a:r>
-            <a:r>
-              <a:rPr lang="zh-CN" altLang="en-US" sz="1600" dirty="0" smtClean="0"/>
-              <a:t>（</a:t>
-            </a:r>
-            <a:r>
-              <a:rPr lang="en-US" altLang="zh-CN" sz="1600" dirty="0" smtClean="0"/>
-              <a:t>String</a:t>
-            </a:r>
-            <a:r>
-              <a:rPr lang="zh-CN" altLang="en-US" sz="1600" dirty="0" smtClean="0"/>
-              <a:t>）</a:t>
-            </a:r>
-            <a:r>
-              <a:rPr lang="en-US" altLang="zh-CN" sz="1600" dirty="0" smtClean="0"/>
-              <a:t>:</a:t>
-            </a:r>
-            <a:r>
-              <a:rPr lang="en-US" altLang="zh-CN" sz="1600" dirty="0" err="1" smtClean="0"/>
-              <a:t>female,male</a:t>
-            </a:r>
-            <a:endParaRPr lang="en-US" altLang="zh-CN" sz="1600" dirty="0" smtClean="0"/>
-          </a:p>
-          <a:p>
-            <a:r>
-              <a:rPr lang="zh-CN" altLang="en-US" sz="1600" dirty="0" smtClean="0"/>
-              <a:t>有喊叫（</a:t>
-            </a:r>
-            <a:r>
-              <a:rPr lang="en-US" altLang="zh-CN" sz="1600" dirty="0" smtClean="0"/>
-              <a:t>shout</a:t>
-            </a:r>
-            <a:r>
-              <a:rPr lang="zh-CN" altLang="en-US" sz="1600" dirty="0" smtClean="0"/>
-              <a:t>）</a:t>
-            </a:r>
-            <a:r>
-              <a:rPr lang="zh-CN" altLang="en-US" sz="1600" dirty="0" smtClean="0"/>
-              <a:t>方法 </a:t>
-            </a:r>
-            <a:r>
-              <a:rPr lang="en-US" altLang="zh-CN" sz="1600" dirty="0" smtClean="0"/>
-              <a:t>: print “</a:t>
-            </a:r>
-            <a:r>
-              <a:rPr lang="en-US" altLang="zh-CN" sz="1600" dirty="0" err="1" smtClean="0"/>
-              <a:t>haha</a:t>
-            </a:r>
-            <a:r>
-              <a:rPr lang="en-US" altLang="zh-CN" sz="1600" dirty="0" smtClean="0"/>
-              <a:t>”</a:t>
-            </a:r>
-            <a:endParaRPr lang="en-US" altLang="zh-CN" sz="1600" dirty="0" smtClean="0"/>
-          </a:p>
-          <a:p>
-            <a:r>
-              <a:rPr lang="zh-CN" altLang="en-US" sz="1600" dirty="0" smtClean="0"/>
-              <a:t>定义一个主人</a:t>
-            </a:r>
-            <a:r>
-              <a:rPr lang="en-US" altLang="zh-CN" sz="1600" dirty="0" smtClean="0"/>
-              <a:t>master</a:t>
-            </a:r>
-            <a:r>
-              <a:rPr lang="zh-CN" altLang="en-US" sz="1600" dirty="0" smtClean="0"/>
-              <a:t>属性，属性的类型是前面说</a:t>
-            </a:r>
-            <a:r>
-              <a:rPr lang="zh-CN" altLang="en-US" sz="1600" dirty="0" smtClean="0"/>
-              <a:t>的</a:t>
-            </a:r>
-            <a:r>
-              <a:rPr lang="en-US" altLang="zh-CN" sz="1600" dirty="0" smtClean="0"/>
-              <a:t>Master</a:t>
-            </a:r>
-            <a:r>
-              <a:rPr lang="zh-CN" altLang="en-US" sz="1600" dirty="0" smtClean="0"/>
-              <a:t>类</a:t>
-            </a:r>
-            <a:endParaRPr lang="en-US" altLang="zh-CN" sz="1600" dirty="0" smtClean="0"/>
-          </a:p>
-          <a:p>
-            <a:r>
-              <a:rPr lang="zh-CN" altLang="en-US" sz="1600" dirty="0" smtClean="0"/>
-              <a:t>并增加一个介绍自己主人名字与年龄的行为。</a:t>
-            </a:r>
-            <a:r>
-              <a:rPr lang="en-US" altLang="zh-CN" sz="1600" smtClean="0"/>
-              <a:t>IntroduceMaster(Person </a:t>
-            </a:r>
-            <a:r>
-              <a:rPr lang="en-US" altLang="zh-CN" sz="1600" dirty="0" smtClean="0"/>
-              <a:t>p)</a:t>
-            </a:r>
-          </a:p>
-          <a:p>
-            <a:endParaRPr lang="en-US" altLang="zh-CN" sz="1600" dirty="0" smtClean="0"/>
-          </a:p>
-          <a:p>
-            <a:r>
-              <a:rPr lang="zh-CN" altLang="en-US" sz="1600" dirty="0" smtClean="0"/>
-              <a:t>定义</a:t>
-            </a:r>
-            <a:r>
-              <a:rPr lang="zh-CN" altLang="en-US" sz="1600" dirty="0"/>
-              <a:t>小狗</a:t>
-            </a:r>
-            <a:r>
-              <a:rPr lang="zh-CN" altLang="en-US" sz="1600" dirty="0" smtClean="0"/>
-              <a:t>类</a:t>
-            </a:r>
-            <a:endParaRPr lang="en-US" altLang="zh-CN" sz="1600" dirty="0"/>
-          </a:p>
-          <a:p>
-            <a:r>
-              <a:rPr lang="zh-CN" altLang="en-US" sz="1600" dirty="0"/>
-              <a:t>定义小狗的行为，如调用“吠”时，打印出字符串“</a:t>
-            </a:r>
-            <a:r>
-              <a:rPr lang="en-US" altLang="zh-CN" sz="1600" dirty="0"/>
-              <a:t>bark</a:t>
-            </a:r>
-            <a:r>
-              <a:rPr lang="en-US" altLang="ja-JP" sz="1600" dirty="0"/>
-              <a:t>”</a:t>
-            </a:r>
-            <a:r>
-              <a:rPr lang="zh-CN" altLang="en-US" sz="1600" dirty="0" smtClean="0"/>
-              <a:t>。</a:t>
-            </a:r>
-            <a:r>
-              <a:rPr lang="en-US" altLang="zh-CN" sz="1600" dirty="0" smtClean="0"/>
-              <a:t>shout()</a:t>
-            </a:r>
-            <a:endParaRPr lang="en-US" altLang="zh-CN" sz="1600" dirty="0"/>
-          </a:p>
-          <a:p>
-            <a:endParaRPr lang="en-US" altLang="zh-CN" sz="1600" dirty="0" smtClean="0"/>
-          </a:p>
-          <a:p>
-            <a:r>
-              <a:rPr lang="zh-CN" altLang="en-US" sz="1600" dirty="0" smtClean="0"/>
-              <a:t>定义</a:t>
-            </a:r>
-            <a:r>
-              <a:rPr lang="zh-CN" altLang="en-US" sz="1600" dirty="0"/>
-              <a:t>小猫</a:t>
-            </a:r>
-            <a:r>
-              <a:rPr lang="zh-CN" altLang="en-US" sz="1600" dirty="0" smtClean="0"/>
-              <a:t>类</a:t>
-            </a:r>
-            <a:endParaRPr lang="en-US" altLang="zh-CN" sz="1600" dirty="0"/>
-          </a:p>
-          <a:p>
-            <a:r>
-              <a:rPr lang="zh-CN" altLang="en-US" sz="1600" dirty="0"/>
-              <a:t>定义小猫的行为，如调用“喵”时，打印出字符串“</a:t>
-            </a:r>
-            <a:r>
-              <a:rPr lang="en-US" altLang="zh-CN" sz="1600" dirty="0"/>
-              <a:t>meow</a:t>
-            </a:r>
-            <a:r>
-              <a:rPr lang="en-US" altLang="zh-CN" sz="1600" dirty="0" smtClean="0"/>
-              <a:t>”</a:t>
-            </a:r>
-          </a:p>
-          <a:p>
-            <a:endParaRPr lang="en-US" altLang="zh-CN" sz="1600" dirty="0"/>
-          </a:p>
-          <a:p>
-            <a:r>
-              <a:rPr lang="en-US" altLang="zh-CN" sz="1600" dirty="0" smtClean="0"/>
-              <a:t>Ps:</a:t>
-            </a:r>
-            <a:r>
-              <a:rPr lang="zh-CN" altLang="en-US" sz="1600" dirty="0" smtClean="0"/>
-              <a:t>注意使用</a:t>
-            </a:r>
-            <a:r>
-              <a:rPr lang="en-US" altLang="zh-CN" sz="1600" dirty="0" smtClean="0"/>
-              <a:t>extends</a:t>
-            </a:r>
-            <a:r>
-              <a:rPr lang="zh-CN" altLang="en-US" sz="1600" dirty="0" smtClean="0"/>
-              <a:t>，</a:t>
-            </a:r>
-            <a:r>
-              <a:rPr lang="en-US" altLang="zh-CN" sz="1600" dirty="0" smtClean="0"/>
-              <a:t>abstract</a:t>
-            </a:r>
-            <a:r>
-              <a:rPr lang="zh-CN" altLang="en-US" sz="1600" dirty="0" smtClean="0"/>
-              <a:t>，</a:t>
-            </a:r>
-            <a:r>
-              <a:rPr lang="en-US" altLang="zh-CN" sz="1600" dirty="0" smtClean="0"/>
-              <a:t>protected</a:t>
-            </a:r>
-          </a:p>
-          <a:p>
-            <a:endParaRPr lang="en-US" altLang="zh-CN" sz="1400" dirty="0"/>
-          </a:p>
-        </p:txBody>
-      </p:sp>
-    </p:spTree>
-    <p:extLst>
-      <p:ext uri="{BB962C8B-B14F-4D97-AF65-F5344CB8AC3E}">
-        <p14:creationId xmlns:p14="http://schemas.microsoft.com/office/powerpoint/2010/main" val="567958623"/>
-      </p:ext>
-    </p:extLst>
-  </p:cSld>
-  <p:clrMapOvr>
-    <a:masterClrMapping/>
-  </p:clrMapOvr>
-  <p:timing>
-    <p:tnLst>
-      <p:par>
-        <p:cTn id="1" dur="indefinite" restart="never" nodeType="tmRoot"/>
-      </p:par>
-    </p:tnLst>
-  </p:timing>
-</p:sld>
-</file>
-
 <file path=ppt/slides/slide2.xml><?xml version="1.0" encoding="utf-8"?>
 <p:sld xmlns:a="http://schemas.openxmlformats.org/drawingml/2006/main" xmlns:r="http://schemas.openxmlformats.org/officeDocument/2006/relationships" xmlns:p="http://schemas.openxmlformats.org/presentationml/2006/main">
   <p:cSld>
@@ -3623,7 +3000,7 @@
     </p:spTree>
     <p:extLst>
       <p:ext uri="{BB962C8B-B14F-4D97-AF65-F5344CB8AC3E}">
-        <p14:creationId xmlns:p14="http://schemas.microsoft.com/office/powerpoint/2010/main" val="198894429"/>
+        <p14:creationId xmlns:p14="http://schemas.microsoft.com/office/powerpoint/2010/main" xmlns="" val="198894429"/>
       </p:ext>
     </p:extLst>
   </p:cSld>
@@ -3788,7 +3165,7 @@
     </p:spTree>
     <p:extLst>
       <p:ext uri="{BB962C8B-B14F-4D97-AF65-F5344CB8AC3E}">
-        <p14:creationId xmlns:p14="http://schemas.microsoft.com/office/powerpoint/2010/main" val="2166030282"/>
+        <p14:creationId xmlns:p14="http://schemas.microsoft.com/office/powerpoint/2010/main" xmlns="" val="2166030282"/>
       </p:ext>
     </p:extLst>
   </p:cSld>
@@ -3880,7 +3257,7 @@
           <a:blip r:embed="rId2">
             <a:extLst>
               <a:ext uri="{28A0092B-C50C-407E-A947-70E740481C1C}">
-                <a14:useLocalDpi xmlns:a14="http://schemas.microsoft.com/office/drawing/2010/main" val="0"/>
+                <a14:useLocalDpi xmlns:a14="http://schemas.microsoft.com/office/drawing/2010/main" xmlns="" val="0"/>
               </a:ext>
             </a:extLst>
           </a:blip>
@@ -3910,7 +3287,7 @@
           <a:blip r:embed="rId3">
             <a:extLst>
               <a:ext uri="{28A0092B-C50C-407E-A947-70E740481C1C}">
-                <a14:useLocalDpi xmlns:a14="http://schemas.microsoft.com/office/drawing/2010/main" val="0"/>
+                <a14:useLocalDpi xmlns:a14="http://schemas.microsoft.com/office/drawing/2010/main" xmlns="" val="0"/>
               </a:ext>
             </a:extLst>
           </a:blip>
@@ -3931,7 +3308,7 @@
     </p:spTree>
     <p:extLst>
       <p:ext uri="{BB962C8B-B14F-4D97-AF65-F5344CB8AC3E}">
-        <p14:creationId xmlns:p14="http://schemas.microsoft.com/office/powerpoint/2010/main" val="1399975491"/>
+        <p14:creationId xmlns:p14="http://schemas.microsoft.com/office/powerpoint/2010/main" xmlns="" val="1399975491"/>
       </p:ext>
     </p:extLst>
   </p:cSld>
@@ -4027,7 +3404,7 @@
           <a:blip r:embed="rId2">
             <a:extLst>
               <a:ext uri="{28A0092B-C50C-407E-A947-70E740481C1C}">
-                <a14:useLocalDpi xmlns:a14="http://schemas.microsoft.com/office/drawing/2010/main" val="0"/>
+                <a14:useLocalDpi xmlns:a14="http://schemas.microsoft.com/office/drawing/2010/main" xmlns="" val="0"/>
               </a:ext>
             </a:extLst>
           </a:blip>
@@ -4057,7 +3434,7 @@
           <a:blip r:embed="rId3">
             <a:extLst>
               <a:ext uri="{28A0092B-C50C-407E-A947-70E740481C1C}">
-                <a14:useLocalDpi xmlns:a14="http://schemas.microsoft.com/office/drawing/2010/main" val="0"/>
+                <a14:useLocalDpi xmlns:a14="http://schemas.microsoft.com/office/drawing/2010/main" xmlns="" val="0"/>
               </a:ext>
             </a:extLst>
           </a:blip>
@@ -4078,7 +3455,7 @@
     </p:spTree>
     <p:extLst>
       <p:ext uri="{BB962C8B-B14F-4D97-AF65-F5344CB8AC3E}">
-        <p14:creationId xmlns:p14="http://schemas.microsoft.com/office/powerpoint/2010/main" val="3339424897"/>
+        <p14:creationId xmlns:p14="http://schemas.microsoft.com/office/powerpoint/2010/main" xmlns="" val="3339424897"/>
       </p:ext>
     </p:extLst>
   </p:cSld>
@@ -4151,7 +3528,7 @@
           <a:blip r:embed="rId2">
             <a:extLst>
               <a:ext uri="{28A0092B-C50C-407E-A947-70E740481C1C}">
-                <a14:useLocalDpi xmlns:a14="http://schemas.microsoft.com/office/drawing/2010/main" val="0"/>
+                <a14:useLocalDpi xmlns:a14="http://schemas.microsoft.com/office/drawing/2010/main" xmlns="" val="0"/>
               </a:ext>
             </a:extLst>
           </a:blip>
@@ -4181,7 +3558,7 @@
           <a:blip r:embed="rId3">
             <a:extLst>
               <a:ext uri="{28A0092B-C50C-407E-A947-70E740481C1C}">
-                <a14:useLocalDpi xmlns:a14="http://schemas.microsoft.com/office/drawing/2010/main" val="0"/>
+                <a14:useLocalDpi xmlns:a14="http://schemas.microsoft.com/office/drawing/2010/main" xmlns="" val="0"/>
               </a:ext>
             </a:extLst>
           </a:blip>
@@ -4211,7 +3588,7 @@
           <a:blip r:embed="rId4">
             <a:extLst>
               <a:ext uri="{28A0092B-C50C-407E-A947-70E740481C1C}">
-                <a14:useLocalDpi xmlns:a14="http://schemas.microsoft.com/office/drawing/2010/main" val="0"/>
+                <a14:useLocalDpi xmlns:a14="http://schemas.microsoft.com/office/drawing/2010/main" xmlns="" val="0"/>
               </a:ext>
             </a:extLst>
           </a:blip>
@@ -4232,7 +3609,7 @@
     </p:spTree>
     <p:extLst>
       <p:ext uri="{BB962C8B-B14F-4D97-AF65-F5344CB8AC3E}">
-        <p14:creationId xmlns:p14="http://schemas.microsoft.com/office/powerpoint/2010/main" val="4287792438"/>
+        <p14:creationId xmlns:p14="http://schemas.microsoft.com/office/powerpoint/2010/main" xmlns="" val="4287792438"/>
       </p:ext>
     </p:extLst>
   </p:cSld>
@@ -4336,7 +3713,7 @@
           <a:blip r:embed="rId2">
             <a:extLst>
               <a:ext uri="{28A0092B-C50C-407E-A947-70E740481C1C}">
-                <a14:useLocalDpi xmlns:a14="http://schemas.microsoft.com/office/drawing/2010/main" val="0"/>
+                <a14:useLocalDpi xmlns:a14="http://schemas.microsoft.com/office/drawing/2010/main" xmlns="" val="0"/>
               </a:ext>
             </a:extLst>
           </a:blip>
@@ -4366,7 +3743,7 @@
           <a:blip r:embed="rId3">
             <a:extLst>
               <a:ext uri="{28A0092B-C50C-407E-A947-70E740481C1C}">
-                <a14:useLocalDpi xmlns:a14="http://schemas.microsoft.com/office/drawing/2010/main" val="0"/>
+                <a14:useLocalDpi xmlns:a14="http://schemas.microsoft.com/office/drawing/2010/main" xmlns="" val="0"/>
               </a:ext>
             </a:extLst>
           </a:blip>
@@ -4387,7 +3764,7 @@
     </p:spTree>
     <p:extLst>
       <p:ext uri="{BB962C8B-B14F-4D97-AF65-F5344CB8AC3E}">
-        <p14:creationId xmlns:p14="http://schemas.microsoft.com/office/powerpoint/2010/main" val="1012020213"/>
+        <p14:creationId xmlns:p14="http://schemas.microsoft.com/office/powerpoint/2010/main" xmlns="" val="1012020213"/>
       </p:ext>
     </p:extLst>
   </p:cSld>
@@ -4456,7 +3833,7 @@
           <a:blip r:embed="rId2">
             <a:extLst>
               <a:ext uri="{28A0092B-C50C-407E-A947-70E740481C1C}">
-                <a14:useLocalDpi xmlns:a14="http://schemas.microsoft.com/office/drawing/2010/main" val="0"/>
+                <a14:useLocalDpi xmlns:a14="http://schemas.microsoft.com/office/drawing/2010/main" xmlns="" val="0"/>
               </a:ext>
             </a:extLst>
           </a:blip>
@@ -4477,7 +3854,7 @@
     </p:spTree>
     <p:extLst>
       <p:ext uri="{BB962C8B-B14F-4D97-AF65-F5344CB8AC3E}">
-        <p14:creationId xmlns:p14="http://schemas.microsoft.com/office/powerpoint/2010/main" val="750537294"/>
+        <p14:creationId xmlns:p14="http://schemas.microsoft.com/office/powerpoint/2010/main" xmlns="" val="750537294"/>
       </p:ext>
     </p:extLst>
   </p:cSld>
@@ -4513,7 +3890,7 @@
       </p:grpSpPr>
       <p:sp>
         <p:nvSpPr>
-          <p:cNvPr id="2" name="标题 1"/>
+          <p:cNvPr id="2" name="タイトル 1"/>
           <p:cNvSpPr>
             <a:spLocks noGrp="1"/>
           </p:cNvSpPr>
@@ -4527,20 +3904,16 @@
           <a:lstStyle/>
           <a:p>
             <a:r>
-              <a:rPr lang="en-US" altLang="zh-CN" dirty="0" smtClean="0"/>
-              <a:t>Java</a:t>
-            </a:r>
-            <a:r>
-              <a:rPr lang="zh-CN" altLang="en-US" smtClean="0"/>
-              <a:t>继承（图形是最好的例子）</a:t>
-            </a:r>
-            <a:endParaRPr lang="zh-CN" altLang="en-US" dirty="0"/>
+              <a:rPr lang="zh-CN" altLang="en-US" dirty="0" smtClean="0"/>
+              <a:t>课后练习</a:t>
+            </a:r>
+            <a:endParaRPr lang="en-US" dirty="0"/>
           </a:p>
         </p:txBody>
       </p:sp>
       <p:sp>
         <p:nvSpPr>
-          <p:cNvPr id="3" name="文本占位符 2"/>
+          <p:cNvPr id="3" name="テキスト プレースホルダー 2"/>
           <p:cNvSpPr>
             <a:spLocks noGrp="1"/>
           </p:cNvSpPr>
@@ -4554,56 +3927,246 @@
           <a:lstStyle/>
           <a:p>
             <a:r>
-              <a:rPr lang="zh-CN" altLang="en-US" dirty="0" smtClean="0"/>
-              <a:t>定义一个圆类，并定义半径属性，默认半径为</a:t>
-            </a:r>
-            <a:r>
-              <a:rPr lang="en-US" altLang="zh-CN" dirty="0" smtClean="0"/>
-              <a:t>1</a:t>
-            </a:r>
-            <a:r>
-              <a:rPr lang="zh-CN" altLang="en-US" dirty="0" smtClean="0"/>
-              <a:t>，但是允许用户指定半径，但不能为负数。定义一个计算面积的方法。定义一个比较两个圆大小的方法。</a:t>
-            </a:r>
-            <a:endParaRPr lang="en-US" altLang="zh-CN" dirty="0" smtClean="0"/>
-          </a:p>
-          <a:p>
-            <a:r>
-              <a:rPr lang="zh-CN" altLang="en-US" dirty="0" smtClean="0"/>
-              <a:t>定义一个长方形，定义长和宽，默认都为</a:t>
-            </a:r>
-            <a:r>
-              <a:rPr lang="en-US" altLang="zh-CN" dirty="0" smtClean="0"/>
-              <a:t>10</a:t>
-            </a:r>
-            <a:r>
-              <a:rPr lang="zh-CN" altLang="en-US" dirty="0" smtClean="0"/>
-              <a:t>，允许用户修改，但不能为负数，定义一个计算面积的方法。定义一个比较两个长方形大小的方法</a:t>
-            </a:r>
-            <a:endParaRPr lang="en-US" altLang="zh-CN" dirty="0" smtClean="0"/>
-          </a:p>
-          <a:p>
-            <a:r>
-              <a:rPr lang="en-US" altLang="zh-CN" dirty="0" smtClean="0"/>
+              <a:rPr lang="zh-CN" altLang="en-US" sz="1600" dirty="0" smtClean="0"/>
+              <a:t>定义宠物类</a:t>
+            </a:r>
+            <a:r>
+              <a:rPr lang="en-US" altLang="zh-CN" sz="1600" dirty="0" smtClean="0"/>
+              <a:t>(Pet)</a:t>
+            </a:r>
+            <a:r>
+              <a:rPr lang="zh-CN" altLang="en-US" sz="1600" dirty="0" smtClean="0"/>
+              <a:t>，</a:t>
+            </a:r>
+            <a:endParaRPr lang="en-US" altLang="zh-CN" sz="1600" dirty="0" smtClean="0"/>
+          </a:p>
+          <a:p>
+            <a:r>
+              <a:rPr lang="zh-CN" altLang="en-US" sz="1600" dirty="0" smtClean="0"/>
+              <a:t>有昵称，性别等属性</a:t>
+            </a:r>
+            <a:r>
+              <a:rPr lang="en-US" altLang="zh-CN" sz="1600" dirty="0" smtClean="0"/>
+              <a:t>nickname</a:t>
+            </a:r>
+            <a:r>
+              <a:rPr lang="zh-CN" altLang="en-US" sz="1600" dirty="0" smtClean="0"/>
+              <a:t>（</a:t>
+            </a:r>
+            <a:r>
+              <a:rPr lang="en-US" altLang="zh-CN" sz="1600" dirty="0" smtClean="0"/>
+              <a:t>String</a:t>
+            </a:r>
+            <a:r>
+              <a:rPr lang="zh-CN" altLang="en-US" sz="1600" dirty="0" smtClean="0"/>
+              <a:t>），</a:t>
+            </a:r>
+            <a:r>
+              <a:rPr lang="en-US" altLang="zh-CN" sz="1600" dirty="0" smtClean="0"/>
+              <a:t>sex</a:t>
+            </a:r>
+            <a:r>
+              <a:rPr lang="zh-CN" altLang="en-US" sz="1600" dirty="0" smtClean="0"/>
+              <a:t>（</a:t>
+            </a:r>
+            <a:r>
+              <a:rPr lang="en-US" altLang="zh-CN" sz="1600" dirty="0" smtClean="0"/>
+              <a:t>String</a:t>
+            </a:r>
+            <a:r>
+              <a:rPr lang="zh-CN" altLang="en-US" sz="1600" dirty="0" smtClean="0"/>
+              <a:t>）</a:t>
+            </a:r>
+            <a:r>
+              <a:rPr lang="en-US" altLang="zh-CN" sz="1600" dirty="0" smtClean="0"/>
+              <a:t>:</a:t>
+            </a:r>
+            <a:r>
+              <a:rPr lang="en-US" altLang="zh-CN" sz="1600" dirty="0" err="1" smtClean="0"/>
+              <a:t>female,male</a:t>
+            </a:r>
+            <a:endParaRPr lang="en-US" altLang="zh-CN" sz="1600" dirty="0" smtClean="0"/>
+          </a:p>
+          <a:p>
+            <a:r>
+              <a:rPr lang="zh-CN" altLang="en-US" sz="1600" dirty="0" smtClean="0"/>
+              <a:t>有喊叫（</a:t>
+            </a:r>
+            <a:r>
+              <a:rPr lang="en-US" altLang="zh-CN" sz="1600" dirty="0" smtClean="0"/>
+              <a:t>shout</a:t>
+            </a:r>
+            <a:r>
+              <a:rPr lang="zh-CN" altLang="en-US" sz="1600" dirty="0" smtClean="0"/>
+              <a:t>）方法 </a:t>
+            </a:r>
+            <a:r>
+              <a:rPr lang="en-US" altLang="zh-CN" sz="1600" dirty="0" smtClean="0"/>
+              <a:t>: print “</a:t>
+            </a:r>
+            <a:r>
+              <a:rPr lang="en-US" altLang="zh-CN" sz="1600" dirty="0" err="1" smtClean="0"/>
+              <a:t>haha</a:t>
+            </a:r>
+            <a:r>
+              <a:rPr lang="en-US" altLang="zh-CN" sz="1600" dirty="0" smtClean="0"/>
+              <a:t>”</a:t>
+            </a:r>
+          </a:p>
+          <a:p>
+            <a:r>
+              <a:rPr lang="zh-CN" altLang="en-US" sz="1600" dirty="0" smtClean="0"/>
+              <a:t>定义一个主人</a:t>
+            </a:r>
+            <a:r>
+              <a:rPr lang="en-US" altLang="zh-CN" sz="1600" dirty="0" smtClean="0"/>
+              <a:t>master</a:t>
+            </a:r>
+            <a:r>
+              <a:rPr lang="zh-CN" altLang="en-US" sz="1600" dirty="0" smtClean="0"/>
+              <a:t>属性，属性的类型是前面说的</a:t>
+            </a:r>
+            <a:r>
+              <a:rPr lang="en-US" altLang="zh-CN" sz="1600" dirty="0" smtClean="0"/>
+              <a:t>Master</a:t>
+            </a:r>
+            <a:r>
+              <a:rPr lang="zh-CN" altLang="en-US" sz="1600" dirty="0" smtClean="0"/>
+              <a:t>类</a:t>
+            </a:r>
+            <a:endParaRPr lang="en-US" altLang="zh-CN" sz="1600" dirty="0" smtClean="0"/>
+          </a:p>
+          <a:p>
+            <a:r>
+              <a:rPr lang="zh-CN" altLang="en-US" sz="1600" dirty="0" smtClean="0"/>
+              <a:t>并增加一个介绍自己主人名字与年龄的行为。</a:t>
+            </a:r>
+            <a:r>
+              <a:rPr lang="en-US" altLang="zh-CN" sz="1600" smtClean="0"/>
+              <a:t>IntroduceMaster(Person </a:t>
+            </a:r>
+            <a:r>
+              <a:rPr lang="en-US" altLang="zh-CN" sz="1600" dirty="0" smtClean="0"/>
+              <a:t>p)</a:t>
+            </a:r>
+          </a:p>
+          <a:p>
+            <a:endParaRPr lang="en-US" altLang="zh-CN" sz="1600" dirty="0" smtClean="0"/>
+          </a:p>
+          <a:p>
+            <a:r>
+              <a:rPr lang="zh-CN" altLang="en-US" sz="1600" dirty="0" smtClean="0"/>
+              <a:t>定义</a:t>
+            </a:r>
+            <a:r>
+              <a:rPr lang="zh-CN" altLang="en-US" sz="1600" dirty="0"/>
+              <a:t>小狗</a:t>
+            </a:r>
+            <a:r>
+              <a:rPr lang="zh-CN" altLang="en-US" sz="1600" dirty="0" smtClean="0"/>
+              <a:t>类</a:t>
+            </a:r>
+            <a:endParaRPr lang="en-US" altLang="zh-CN" sz="1600" dirty="0"/>
+          </a:p>
+          <a:p>
+            <a:r>
+              <a:rPr lang="zh-CN" altLang="en-US" sz="1600" dirty="0"/>
+              <a:t>定义小狗的行为，如调用“吠”时，打印出字符串“</a:t>
+            </a:r>
+            <a:r>
+              <a:rPr lang="en-US" altLang="zh-CN" sz="1600" dirty="0"/>
+              <a:t>bark</a:t>
+            </a:r>
+            <a:r>
+              <a:rPr lang="en-US" altLang="ja-JP" sz="1600" dirty="0"/>
+              <a:t>”</a:t>
+            </a:r>
+            <a:r>
+              <a:rPr lang="zh-CN" altLang="en-US" sz="1600" dirty="0" smtClean="0"/>
+              <a:t>。</a:t>
+            </a:r>
+            <a:r>
+              <a:rPr lang="en-US" altLang="zh-CN" sz="1600" dirty="0" smtClean="0"/>
+              <a:t>shout()</a:t>
+            </a:r>
+            <a:endParaRPr lang="en-US" altLang="zh-CN" sz="1600" dirty="0"/>
+          </a:p>
+          <a:p>
+            <a:endParaRPr lang="en-US" altLang="zh-CN" sz="1600" dirty="0" smtClean="0"/>
+          </a:p>
+          <a:p>
+            <a:r>
+              <a:rPr lang="zh-CN" altLang="en-US" sz="1600" dirty="0" smtClean="0"/>
+              <a:t>定义</a:t>
+            </a:r>
+            <a:r>
+              <a:rPr lang="zh-CN" altLang="en-US" sz="1600" dirty="0"/>
+              <a:t>小猫</a:t>
+            </a:r>
+            <a:r>
+              <a:rPr lang="zh-CN" altLang="en-US" sz="1600" dirty="0" smtClean="0"/>
+              <a:t>类</a:t>
+            </a:r>
+            <a:endParaRPr lang="en-US" altLang="zh-CN" sz="1600" dirty="0"/>
+          </a:p>
+          <a:p>
+            <a:r>
+              <a:rPr lang="zh-CN" altLang="en-US" sz="1600" dirty="0"/>
+              <a:t>定义小猫的行为，如调用“喵”时，打印出字符串“</a:t>
+            </a:r>
+            <a:r>
+              <a:rPr lang="en-US" altLang="zh-CN" sz="1600" dirty="0"/>
+              <a:t>meow</a:t>
+            </a:r>
+            <a:r>
+              <a:rPr lang="en-US" altLang="zh-CN" sz="1600" dirty="0" smtClean="0"/>
+              <a:t>”</a:t>
+            </a:r>
+          </a:p>
+          <a:p>
+            <a:endParaRPr lang="en-US" altLang="zh-CN" sz="1600" dirty="0"/>
+          </a:p>
+          <a:p>
+            <a:r>
+              <a:rPr lang="en-US" altLang="zh-CN" sz="1600" dirty="0" smtClean="0"/>
               <a:t>Ps:</a:t>
             </a:r>
             <a:r>
-              <a:rPr lang="zh-CN" altLang="en-US" dirty="0" smtClean="0"/>
-              <a:t>引入</a:t>
-            </a:r>
-            <a:r>
-              <a:rPr lang="en-US" altLang="zh-CN" dirty="0" smtClean="0"/>
-              <a:t>private</a:t>
-            </a:r>
-            <a:r>
-              <a:rPr lang="zh-CN" altLang="en-US" dirty="0" smtClean="0"/>
-              <a:t>关键字</a:t>
-            </a:r>
-            <a:endParaRPr lang="zh-CN" altLang="en-US" dirty="0"/>
+              <a:rPr lang="zh-CN" altLang="en-US" sz="1600" dirty="0" smtClean="0"/>
+              <a:t>注意使用</a:t>
+            </a:r>
+            <a:r>
+              <a:rPr lang="en-US" altLang="zh-CN" sz="1600" dirty="0" smtClean="0"/>
+              <a:t>extends</a:t>
+            </a:r>
+            <a:r>
+              <a:rPr lang="zh-CN" altLang="en-US" sz="1600" dirty="0" smtClean="0"/>
+              <a:t>，</a:t>
+            </a:r>
+            <a:r>
+              <a:rPr lang="en-US" altLang="zh-CN" sz="1600" dirty="0" smtClean="0"/>
+              <a:t>abstract</a:t>
+            </a:r>
+            <a:r>
+              <a:rPr lang="zh-CN" altLang="en-US" sz="1600" dirty="0" smtClean="0"/>
+              <a:t>，</a:t>
+            </a:r>
+            <a:r>
+              <a:rPr lang="en-US" altLang="zh-CN" sz="1600" dirty="0" smtClean="0"/>
+              <a:t>protected</a:t>
+            </a:r>
+          </a:p>
+          <a:p>
+            <a:endParaRPr lang="en-US" altLang="zh-CN" sz="1400" dirty="0"/>
           </a:p>
         </p:txBody>
       </p:sp>
     </p:spTree>
+    <p:extLst>
+      <p:ext uri="{BB962C8B-B14F-4D97-AF65-F5344CB8AC3E}">
+        <p14:creationId xmlns:p14="http://schemas.microsoft.com/office/powerpoint/2010/main" xmlns="" val="567958623"/>
+      </p:ext>
+    </p:extLst>
   </p:cSld>
   <p:clrMapOvr>
     <a:masterClrMapping/>
